--- a/.github/img/network.pptx
+++ b/.github/img/network.pptx
@@ -260,7 +260,7 @@
           <a:p>
             <a:fld id="{A30D9A3B-B3A2-944E-9CF7-B87B686E676B}" type="datetimeFigureOut">
               <a:rPr kumimoji="1" lang="ko-KR" altLang="en-US" smtClean="0"/>
-              <a:t>2018. 12. 29.</a:t>
+              <a:t>2019. 2. 10.</a:t>
             </a:fld>
             <a:endParaRPr kumimoji="1" lang="ko-KR" altLang="en-US"/>
           </a:p>
@@ -433,7 +433,7 @@
           <a:p>
             <a:fld id="{A30D9A3B-B3A2-944E-9CF7-B87B686E676B}" type="datetimeFigureOut">
               <a:rPr kumimoji="1" lang="ko-KR" altLang="en-US" smtClean="0"/>
-              <a:t>2018. 12. 29.</a:t>
+              <a:t>2019. 2. 10.</a:t>
             </a:fld>
             <a:endParaRPr kumimoji="1" lang="ko-KR" altLang="en-US"/>
           </a:p>
@@ -616,7 +616,7 @@
           <a:p>
             <a:fld id="{A30D9A3B-B3A2-944E-9CF7-B87B686E676B}" type="datetimeFigureOut">
               <a:rPr kumimoji="1" lang="ko-KR" altLang="en-US" smtClean="0"/>
-              <a:t>2018. 12. 29.</a:t>
+              <a:t>2019. 2. 10.</a:t>
             </a:fld>
             <a:endParaRPr kumimoji="1" lang="ko-KR" altLang="en-US"/>
           </a:p>
@@ -789,7 +789,7 @@
           <a:p>
             <a:fld id="{A30D9A3B-B3A2-944E-9CF7-B87B686E676B}" type="datetimeFigureOut">
               <a:rPr kumimoji="1" lang="ko-KR" altLang="en-US" smtClean="0"/>
-              <a:t>2018. 12. 29.</a:t>
+              <a:t>2019. 2. 10.</a:t>
             </a:fld>
             <a:endParaRPr kumimoji="1" lang="ko-KR" altLang="en-US"/>
           </a:p>
@@ -1067,7 +1067,7 @@
           <a:p>
             <a:fld id="{A30D9A3B-B3A2-944E-9CF7-B87B686E676B}" type="datetimeFigureOut">
               <a:rPr kumimoji="1" lang="ko-KR" altLang="en-US" smtClean="0"/>
-              <a:t>2018. 12. 29.</a:t>
+              <a:t>2019. 2. 10.</a:t>
             </a:fld>
             <a:endParaRPr kumimoji="1" lang="ko-KR" altLang="en-US"/>
           </a:p>
@@ -1282,7 +1282,7 @@
           <a:p>
             <a:fld id="{A30D9A3B-B3A2-944E-9CF7-B87B686E676B}" type="datetimeFigureOut">
               <a:rPr kumimoji="1" lang="ko-KR" altLang="en-US" smtClean="0"/>
-              <a:t>2018. 12. 29.</a:t>
+              <a:t>2019. 2. 10.</a:t>
             </a:fld>
             <a:endParaRPr kumimoji="1" lang="ko-KR" altLang="en-US"/>
           </a:p>
@@ -1650,7 +1650,7 @@
           <a:p>
             <a:fld id="{A30D9A3B-B3A2-944E-9CF7-B87B686E676B}" type="datetimeFigureOut">
               <a:rPr kumimoji="1" lang="ko-KR" altLang="en-US" smtClean="0"/>
-              <a:t>2018. 12. 29.</a:t>
+              <a:t>2019. 2. 10.</a:t>
             </a:fld>
             <a:endParaRPr kumimoji="1" lang="ko-KR" altLang="en-US"/>
           </a:p>
@@ -1791,7 +1791,7 @@
           <a:p>
             <a:fld id="{A30D9A3B-B3A2-944E-9CF7-B87B686E676B}" type="datetimeFigureOut">
               <a:rPr kumimoji="1" lang="ko-KR" altLang="en-US" smtClean="0"/>
-              <a:t>2018. 12. 29.</a:t>
+              <a:t>2019. 2. 10.</a:t>
             </a:fld>
             <a:endParaRPr kumimoji="1" lang="ko-KR" altLang="en-US"/>
           </a:p>
@@ -1904,7 +1904,7 @@
           <a:p>
             <a:fld id="{A30D9A3B-B3A2-944E-9CF7-B87B686E676B}" type="datetimeFigureOut">
               <a:rPr kumimoji="1" lang="ko-KR" altLang="en-US" smtClean="0"/>
-              <a:t>2018. 12. 29.</a:t>
+              <a:t>2019. 2. 10.</a:t>
             </a:fld>
             <a:endParaRPr kumimoji="1" lang="ko-KR" altLang="en-US"/>
           </a:p>
@@ -2193,7 +2193,7 @@
           <a:p>
             <a:fld id="{A30D9A3B-B3A2-944E-9CF7-B87B686E676B}" type="datetimeFigureOut">
               <a:rPr kumimoji="1" lang="ko-KR" altLang="en-US" smtClean="0"/>
-              <a:t>2018. 12. 29.</a:t>
+              <a:t>2019. 2. 10.</a:t>
             </a:fld>
             <a:endParaRPr kumimoji="1" lang="ko-KR" altLang="en-US"/>
           </a:p>
@@ -2484,7 +2484,7 @@
           <a:p>
             <a:fld id="{A30D9A3B-B3A2-944E-9CF7-B87B686E676B}" type="datetimeFigureOut">
               <a:rPr kumimoji="1" lang="ko-KR" altLang="en-US" smtClean="0"/>
-              <a:t>2018. 12. 29.</a:t>
+              <a:t>2019. 2. 10.</a:t>
             </a:fld>
             <a:endParaRPr kumimoji="1" lang="ko-KR" altLang="en-US"/>
           </a:p>
@@ -2700,7 +2700,7 @@
           <a:p>
             <a:fld id="{A30D9A3B-B3A2-944E-9CF7-B87B686E676B}" type="datetimeFigureOut">
               <a:rPr kumimoji="1" lang="ko-KR" altLang="en-US" smtClean="0"/>
-              <a:t>2018. 12. 29.</a:t>
+              <a:t>2019. 2. 10.</a:t>
             </a:fld>
             <a:endParaRPr kumimoji="1" lang="ko-KR" altLang="en-US"/>
           </a:p>
@@ -3132,7 +3132,7 @@
           <p:nvPr>
             <p:extLst>
               <p:ext uri="{D42A27DB-BD31-4B8C-83A1-F6EECF244321}">
-                <p14:modId xmlns:p14="http://schemas.microsoft.com/office/powerpoint/2010/main" val="3123789643"/>
+                <p14:modId xmlns:p14="http://schemas.microsoft.com/office/powerpoint/2010/main" val="3828904023"/>
               </p:ext>
             </p:extLst>
           </p:nvPr>
@@ -3165,7 +3165,7 @@
                       <a:pPr algn="ctr" latinLnBrk="1"/>
                       <a:r>
                         <a:rPr lang="en-US" altLang="ko-KR" sz="800" dirty="0"/>
-                        <a:t>&lt;p&gt;</a:t>
+                        <a:t>&lt;s&gt;</a:t>
                       </a:r>
                       <a:endParaRPr lang="ko-KR" altLang="en-US" sz="800" dirty="0"/>
                     </a:p>
@@ -4864,13 +4864,13 @@
           <p:nvPr>
             <p:extLst>
               <p:ext uri="{D42A27DB-BD31-4B8C-83A1-F6EECF244321}">
-                <p14:modId xmlns:p14="http://schemas.microsoft.com/office/powerpoint/2010/main" val="2219786517"/>
+                <p14:modId xmlns:p14="http://schemas.microsoft.com/office/powerpoint/2010/main" val="3326213621"/>
               </p:ext>
             </p:extLst>
           </p:nvPr>
         </p:nvGraphicFramePr>
         <p:xfrm>
-          <a:off x="4741614" y="2105825"/>
+          <a:off x="4743131" y="2105825"/>
           <a:ext cx="1950255" cy="1112520"/>
         </p:xfrm>
         <a:graphic>
@@ -4983,19 +4983,19 @@
                   <a:tcPr>
                     <a:solidFill>
                       <a:schemeClr val="accent4">
-                        <a:lumMod val="40000"/>
-                        <a:lumOff val="60000"/>
-                      </a:schemeClr>
-                    </a:solidFill>
-                  </a:tcPr>
-                </a:tc>
-                <a:tc>
-                  <a:txBody>
-                    <a:bodyPr/>
-                    <a:lstStyle/>
-                    <a:p>
-                      <a:pPr latinLnBrk="1"/>
-                      <a:endParaRPr lang="ko-KR" altLang="en-US" sz="1100"/>
+                        <a:lumMod val="20000"/>
+                        <a:lumOff val="80000"/>
+                      </a:schemeClr>
+                    </a:solidFill>
+                  </a:tcPr>
+                </a:tc>
+                <a:tc>
+                  <a:txBody>
+                    <a:bodyPr/>
+                    <a:lstStyle/>
+                    <a:p>
+                      <a:pPr latinLnBrk="1"/>
+                      <a:endParaRPr lang="ko-KR" altLang="en-US" sz="1100" dirty="0"/>
                     </a:p>
                   </a:txBody>
                   <a:tcPr>
@@ -5080,8 +5080,8 @@
                   <a:tcPr>
                     <a:solidFill>
                       <a:schemeClr val="accent4">
-                        <a:lumMod val="40000"/>
-                        <a:lumOff val="60000"/>
+                        <a:lumMod val="20000"/>
+                        <a:lumOff val="80000"/>
                       </a:schemeClr>
                     </a:solidFill>
                   </a:tcPr>
@@ -5135,7 +5135,7 @@
                     <a:lstStyle/>
                     <a:p>
                       <a:pPr latinLnBrk="1"/>
-                      <a:endParaRPr lang="ko-KR" altLang="en-US" sz="1100"/>
+                      <a:endParaRPr lang="ko-KR" altLang="en-US" sz="1100" dirty="0"/>
                     </a:p>
                   </a:txBody>
                   <a:tcPr>
@@ -5177,8 +5177,8 @@
                   <a:tcPr>
                     <a:solidFill>
                       <a:schemeClr val="accent4">
-                        <a:lumMod val="40000"/>
-                        <a:lumOff val="60000"/>
+                        <a:lumMod val="20000"/>
+                        <a:lumOff val="80000"/>
                       </a:schemeClr>
                     </a:solidFill>
                   </a:tcPr>
